--- a/シューティング.pptx
+++ b/シューティング.pptx
@@ -8,6 +8,9 @@
     <p:sldId id="256" r:id="rId2"/>
     <p:sldId id="257" r:id="rId3"/>
     <p:sldId id="258" r:id="rId4"/>
+    <p:sldId id="259" r:id="rId5"/>
+    <p:sldId id="260" r:id="rId6"/>
+    <p:sldId id="261" r:id="rId7"/>
   </p:sldIdLst>
   <p:sldSz cx="12192000" cy="6858000"/>
   <p:notesSz cx="6858000" cy="9144000"/>
@@ -106,6 +109,25 @@
       </a:defRPr>
     </a:lvl9pPr>
   </p:defaultTextStyle>
+  <p:extLst>
+    <p:ext uri="{521415D9-36F7-43E2-AB2F-B90AF26B5E84}">
+      <p14:sectionLst xmlns:p14="http://schemas.microsoft.com/office/powerpoint/2010/main">
+        <p14:section name="既定のセクション" id="{A1D14CDE-68E1-4C54-BC72-C7F8BE8D3ECB}">
+          <p14:sldIdLst>
+            <p14:sldId id="256"/>
+            <p14:sldId id="257"/>
+            <p14:sldId id="258"/>
+            <p14:sldId id="259"/>
+            <p14:sldId id="260"/>
+            <p14:sldId id="261"/>
+          </p14:sldIdLst>
+        </p14:section>
+      </p14:sectionLst>
+    </p:ext>
+    <p:ext uri="{EFAFB233-063F-42B5-8137-9DF3F51BA10A}">
+      <p15:sldGuideLst xmlns:p15="http://schemas.microsoft.com/office/powerpoint/2012/main"/>
+    </p:ext>
+  </p:extLst>
 </p:presentation>
 </file>
 
@@ -3578,41 +3600,329 @@
             <a:spLocks noGrp="1"/>
           </p:cNvSpPr>
           <p:nvPr>
-            <p:ph type="ctrTitle"/>
-          </p:nvPr>
-        </p:nvSpPr>
-        <p:spPr/>
-        <p:txBody>
-          <a:bodyPr/>
-          <a:lstStyle/>
-          <a:p>
-            <a:endParaRPr kumimoji="1" lang="ja-JP" altLang="en-US"/>
-          </a:p>
-        </p:txBody>
-      </p:sp>
-      <p:sp>
-        <p:nvSpPr>
-          <p:cNvPr id="3" name="サブタイトル 2"/>
-          <p:cNvSpPr>
-            <a:spLocks noGrp="1"/>
-          </p:cNvSpPr>
-          <p:nvPr>
-            <p:ph type="subTitle" idx="1"/>
-          </p:nvPr>
-        </p:nvSpPr>
-        <p:spPr/>
-        <p:txBody>
-          <a:bodyPr/>
-          <a:lstStyle/>
-          <a:p>
-            <a:endParaRPr kumimoji="1" lang="ja-JP" altLang="en-US"/>
+            <p:ph type="title"/>
+          </p:nvPr>
+        </p:nvSpPr>
+        <p:spPr/>
+        <p:txBody>
+          <a:bodyPr/>
+          <a:lstStyle/>
+          <a:p>
+            <a:r>
+              <a:rPr kumimoji="1" lang="ja-JP" altLang="en-US" dirty="0" smtClean="0"/>
+              <a:t>プレイヤー</a:t>
+            </a:r>
+            <a:endParaRPr kumimoji="1" lang="ja-JP" altLang="en-US" dirty="0"/>
+          </a:p>
+        </p:txBody>
+      </p:sp>
+      <p:sp>
+        <p:nvSpPr>
+          <p:cNvPr id="3" name="コンテンツ プレースホルダー 2"/>
+          <p:cNvSpPr>
+            <a:spLocks noGrp="1"/>
+          </p:cNvSpPr>
+          <p:nvPr>
+            <p:ph idx="1"/>
+          </p:nvPr>
+        </p:nvSpPr>
+        <p:spPr/>
+        <p:txBody>
+          <a:bodyPr/>
+          <a:lstStyle/>
+          <a:p>
+            <a:r>
+              <a:rPr kumimoji="1" lang="ja-JP" altLang="en-US" dirty="0" smtClean="0"/>
+              <a:t>弾打つ</a:t>
+            </a:r>
+            <a:endParaRPr kumimoji="1" lang="en-US" altLang="ja-JP" dirty="0" smtClean="0"/>
+          </a:p>
+          <a:p>
+            <a:r>
+              <a:rPr lang="ja-JP" altLang="en-US" dirty="0" smtClean="0"/>
+              <a:t>変形</a:t>
+            </a:r>
+            <a:endParaRPr lang="en-US" altLang="ja-JP" dirty="0" smtClean="0"/>
+          </a:p>
+          <a:p>
+            <a:r>
+              <a:rPr lang="ja-JP" altLang="en-US" dirty="0" smtClean="0"/>
+              <a:t>プレイヤーの</a:t>
+            </a:r>
+            <a:r>
+              <a:rPr lang="en-US" altLang="ja-JP" dirty="0" smtClean="0"/>
+              <a:t>HP</a:t>
+            </a:r>
+          </a:p>
+          <a:p>
+            <a:endParaRPr lang="en-US" altLang="ja-JP" dirty="0" smtClean="0"/>
           </a:p>
         </p:txBody>
       </p:sp>
     </p:spTree>
     <p:extLst>
       <p:ext uri="{BB962C8B-B14F-4D97-AF65-F5344CB8AC3E}">
-        <p14:creationId xmlns:p14="http://schemas.microsoft.com/office/powerpoint/2010/main" val="2055225530"/>
+        <p14:creationId xmlns:p14="http://schemas.microsoft.com/office/powerpoint/2010/main" val="1742665650"/>
+      </p:ext>
+    </p:extLst>
+  </p:cSld>
+  <p:clrMapOvr>
+    <a:masterClrMapping/>
+  </p:clrMapOvr>
+</p:sld>
+</file>
+
+<file path=ppt/slides/slide4.xml><?xml version="1.0" encoding="utf-8"?>
+<p:sld xmlns:a="http://schemas.openxmlformats.org/drawingml/2006/main" xmlns:r="http://schemas.openxmlformats.org/officeDocument/2006/relationships" xmlns:p="http://schemas.openxmlformats.org/presentationml/2006/main">
+  <p:cSld>
+    <p:spTree>
+      <p:nvGrpSpPr>
+        <p:cNvPr id="1" name=""/>
+        <p:cNvGrpSpPr/>
+        <p:nvPr/>
+      </p:nvGrpSpPr>
+      <p:grpSpPr>
+        <a:xfrm>
+          <a:off x="0" y="0"/>
+          <a:ext cx="0" cy="0"/>
+          <a:chOff x="0" y="0"/>
+          <a:chExt cx="0" cy="0"/>
+        </a:xfrm>
+      </p:grpSpPr>
+      <p:sp>
+        <p:nvSpPr>
+          <p:cNvPr id="2" name="タイトル 1"/>
+          <p:cNvSpPr>
+            <a:spLocks noGrp="1"/>
+          </p:cNvSpPr>
+          <p:nvPr>
+            <p:ph type="title"/>
+          </p:nvPr>
+        </p:nvSpPr>
+        <p:spPr/>
+        <p:txBody>
+          <a:bodyPr/>
+          <a:lstStyle/>
+          <a:p>
+            <a:r>
+              <a:rPr lang="ja-JP" altLang="en-US" dirty="0"/>
+              <a:t>敵</a:t>
+            </a:r>
+            <a:endParaRPr kumimoji="1" lang="ja-JP" altLang="en-US" dirty="0"/>
+          </a:p>
+        </p:txBody>
+      </p:sp>
+      <p:sp>
+        <p:nvSpPr>
+          <p:cNvPr id="3" name="コンテンツ プレースホルダー 2"/>
+          <p:cNvSpPr>
+            <a:spLocks noGrp="1"/>
+          </p:cNvSpPr>
+          <p:nvPr>
+            <p:ph idx="1"/>
+          </p:nvPr>
+        </p:nvSpPr>
+        <p:spPr/>
+        <p:txBody>
+          <a:bodyPr/>
+          <a:lstStyle/>
+          <a:p>
+            <a:r>
+              <a:rPr kumimoji="1" lang="ja-JP" altLang="en-US" dirty="0" smtClean="0"/>
+              <a:t>弾打つ</a:t>
+            </a:r>
+            <a:endParaRPr kumimoji="1" lang="en-US" altLang="ja-JP" dirty="0" smtClean="0"/>
+          </a:p>
+          <a:p>
+            <a:r>
+              <a:rPr lang="ja-JP" altLang="en-US" dirty="0"/>
+              <a:t>敵</a:t>
+            </a:r>
+            <a:r>
+              <a:rPr lang="ja-JP" altLang="en-US" dirty="0" smtClean="0"/>
+              <a:t>の</a:t>
+            </a:r>
+            <a:r>
+              <a:rPr lang="en-US" altLang="ja-JP" dirty="0" smtClean="0"/>
+              <a:t>HP</a:t>
+            </a:r>
+            <a:endParaRPr kumimoji="1" lang="ja-JP" altLang="en-US" dirty="0"/>
+          </a:p>
+        </p:txBody>
+      </p:sp>
+    </p:spTree>
+    <p:extLst>
+      <p:ext uri="{BB962C8B-B14F-4D97-AF65-F5344CB8AC3E}">
+        <p14:creationId xmlns:p14="http://schemas.microsoft.com/office/powerpoint/2010/main" val="3919404919"/>
+      </p:ext>
+    </p:extLst>
+  </p:cSld>
+  <p:clrMapOvr>
+    <a:masterClrMapping/>
+  </p:clrMapOvr>
+</p:sld>
+</file>
+
+<file path=ppt/slides/slide5.xml><?xml version="1.0" encoding="utf-8"?>
+<p:sld xmlns:a="http://schemas.openxmlformats.org/drawingml/2006/main" xmlns:r="http://schemas.openxmlformats.org/officeDocument/2006/relationships" xmlns:p="http://schemas.openxmlformats.org/presentationml/2006/main">
+  <p:cSld>
+    <p:spTree>
+      <p:nvGrpSpPr>
+        <p:cNvPr id="1" name=""/>
+        <p:cNvGrpSpPr/>
+        <p:nvPr/>
+      </p:nvGrpSpPr>
+      <p:grpSpPr>
+        <a:xfrm>
+          <a:off x="0" y="0"/>
+          <a:ext cx="0" cy="0"/>
+          <a:chOff x="0" y="0"/>
+          <a:chExt cx="0" cy="0"/>
+        </a:xfrm>
+      </p:grpSpPr>
+      <p:sp>
+        <p:nvSpPr>
+          <p:cNvPr id="2" name="タイトル 1"/>
+          <p:cNvSpPr>
+            <a:spLocks noGrp="1"/>
+          </p:cNvSpPr>
+          <p:nvPr>
+            <p:ph type="title"/>
+          </p:nvPr>
+        </p:nvSpPr>
+        <p:spPr/>
+        <p:txBody>
+          <a:bodyPr/>
+          <a:lstStyle/>
+          <a:p>
+            <a:r>
+              <a:rPr kumimoji="1" lang="ja-JP" altLang="en-US" dirty="0" smtClean="0"/>
+              <a:t>ボス</a:t>
+            </a:r>
+            <a:endParaRPr kumimoji="1" lang="ja-JP" altLang="en-US" dirty="0"/>
+          </a:p>
+        </p:txBody>
+      </p:sp>
+      <p:sp>
+        <p:nvSpPr>
+          <p:cNvPr id="3" name="コンテンツ プレースホルダー 2"/>
+          <p:cNvSpPr>
+            <a:spLocks noGrp="1"/>
+          </p:cNvSpPr>
+          <p:nvPr>
+            <p:ph idx="1"/>
+          </p:nvPr>
+        </p:nvSpPr>
+        <p:spPr/>
+        <p:txBody>
+          <a:bodyPr/>
+          <a:lstStyle/>
+          <a:p>
+            <a:r>
+              <a:rPr kumimoji="1" lang="ja-JP" altLang="en-US" dirty="0" smtClean="0"/>
+              <a:t>なんパターンか攻撃を用意する</a:t>
+            </a:r>
+            <a:endParaRPr kumimoji="1" lang="en-US" altLang="ja-JP" dirty="0" smtClean="0"/>
+          </a:p>
+          <a:p>
+            <a:r>
+              <a:rPr lang="ja-JP" altLang="en-US" dirty="0"/>
+              <a:t>ボス</a:t>
+            </a:r>
+            <a:r>
+              <a:rPr lang="ja-JP" altLang="en-US" dirty="0" smtClean="0"/>
+              <a:t>の</a:t>
+            </a:r>
+            <a:r>
+              <a:rPr lang="en-US" altLang="ja-JP" dirty="0" smtClean="0"/>
+              <a:t>HP</a:t>
+            </a:r>
+          </a:p>
+          <a:p>
+            <a:endParaRPr kumimoji="1" lang="ja-JP" altLang="en-US" dirty="0"/>
+          </a:p>
+        </p:txBody>
+      </p:sp>
+    </p:spTree>
+    <p:extLst>
+      <p:ext uri="{BB962C8B-B14F-4D97-AF65-F5344CB8AC3E}">
+        <p14:creationId xmlns:p14="http://schemas.microsoft.com/office/powerpoint/2010/main" val="57534113"/>
+      </p:ext>
+    </p:extLst>
+  </p:cSld>
+  <p:clrMapOvr>
+    <a:masterClrMapping/>
+  </p:clrMapOvr>
+</p:sld>
+</file>
+
+<file path=ppt/slides/slide6.xml><?xml version="1.0" encoding="utf-8"?>
+<p:sld xmlns:a="http://schemas.openxmlformats.org/drawingml/2006/main" xmlns:r="http://schemas.openxmlformats.org/officeDocument/2006/relationships" xmlns:p="http://schemas.openxmlformats.org/presentationml/2006/main">
+  <p:cSld>
+    <p:spTree>
+      <p:nvGrpSpPr>
+        <p:cNvPr id="1" name=""/>
+        <p:cNvGrpSpPr/>
+        <p:nvPr/>
+      </p:nvGrpSpPr>
+      <p:grpSpPr>
+        <a:xfrm>
+          <a:off x="0" y="0"/>
+          <a:ext cx="0" cy="0"/>
+          <a:chOff x="0" y="0"/>
+          <a:chExt cx="0" cy="0"/>
+        </a:xfrm>
+      </p:grpSpPr>
+      <p:sp>
+        <p:nvSpPr>
+          <p:cNvPr id="2" name="タイトル 1"/>
+          <p:cNvSpPr>
+            <a:spLocks noGrp="1"/>
+          </p:cNvSpPr>
+          <p:nvPr>
+            <p:ph type="title"/>
+          </p:nvPr>
+        </p:nvSpPr>
+        <p:spPr/>
+        <p:txBody>
+          <a:bodyPr/>
+          <a:lstStyle/>
+          <a:p>
+            <a:r>
+              <a:rPr kumimoji="1" lang="ja-JP" altLang="en-US" dirty="0" smtClean="0"/>
+              <a:t>スクロール</a:t>
+            </a:r>
+            <a:endParaRPr kumimoji="1" lang="ja-JP" altLang="en-US" dirty="0"/>
+          </a:p>
+        </p:txBody>
+      </p:sp>
+      <p:sp>
+        <p:nvSpPr>
+          <p:cNvPr id="3" name="コンテンツ プレースホルダー 2"/>
+          <p:cNvSpPr>
+            <a:spLocks noGrp="1"/>
+          </p:cNvSpPr>
+          <p:nvPr>
+            <p:ph idx="1"/>
+          </p:nvPr>
+        </p:nvSpPr>
+        <p:spPr/>
+        <p:txBody>
+          <a:bodyPr/>
+          <a:lstStyle/>
+          <a:p>
+            <a:r>
+              <a:rPr kumimoji="1" lang="ja-JP" altLang="en-US" smtClean="0"/>
+              <a:t>縦スクロール</a:t>
+            </a:r>
+            <a:endParaRPr kumimoji="1" lang="en-US" altLang="ja-JP" smtClean="0"/>
+          </a:p>
+        </p:txBody>
+      </p:sp>
+    </p:spTree>
+    <p:extLst>
+      <p:ext uri="{BB962C8B-B14F-4D97-AF65-F5344CB8AC3E}">
+        <p14:creationId xmlns:p14="http://schemas.microsoft.com/office/powerpoint/2010/main" val="549396772"/>
       </p:ext>
     </p:extLst>
   </p:cSld>

--- a/シューティング.pptx
+++ b/シューティング.pptx
@@ -3270,7 +3270,7 @@
           <a:lstStyle/>
           <a:p>
             <a:r>
-              <a:rPr lang="ja-JP" altLang="en-US"/>
+              <a:rPr lang="ja-JP" altLang="en-US" dirty="0"/>
               <a:t>シューティング</a:t>
             </a:r>
             <a:endParaRPr kumimoji="1" lang="ja-JP" altLang="en-US" dirty="0"/>
@@ -3586,7 +3586,7 @@
           <a:bodyPr/>
           <a:lstStyle/>
           <a:p>
-            <a:endParaRPr kumimoji="1" lang="ja-JP" altLang="en-US"/>
+            <a:endParaRPr kumimoji="1" lang="ja-JP" altLang="en-US" dirty="0"/>
           </a:p>
         </p:txBody>
       </p:sp>
